--- a/데이터베이스프로그래밍 교안/데이터베이스프로그래밍_2강.pptx
+++ b/데이터베이스프로그래밍 교안/데이터베이스프로그래밍_2강.pptx
@@ -7190,7 +7190,7 @@
           <p:cNvPr id="10" name="그림 9">
             <a:extLst>
               <a:ext uri="{FF2B5EF4-FFF2-40B4-BE49-F238E27FC236}">
-                <a16:creationId xmlns:a16="http://schemas.microsoft.com/office/drawing/2014/main" id="{7605F0A3-DE87-467B-8A8C-37C432902C9B}"/>
+                <a16:creationId xmlns:a16="http://schemas.microsoft.com/office/drawing/2014/main" xmlns="" id="{7605F0A3-DE87-467B-8A8C-37C432902C9B}"/>
               </a:ext>
             </a:extLst>
           </p:cNvPr>
@@ -7220,7 +7220,7 @@
           <p:cNvPr id="11" name="TextBox 10">
             <a:extLst>
               <a:ext uri="{FF2B5EF4-FFF2-40B4-BE49-F238E27FC236}">
-                <a16:creationId xmlns:a16="http://schemas.microsoft.com/office/drawing/2014/main" id="{A00EF228-1B49-4A3E-AE7A-BD1B45B1C680}"/>
+                <a16:creationId xmlns:a16="http://schemas.microsoft.com/office/drawing/2014/main" xmlns="" id="{A00EF228-1B49-4A3E-AE7A-BD1B45B1C680}"/>
               </a:ext>
             </a:extLst>
           </p:cNvPr>
@@ -8529,7 +8529,7 @@
           <p:cNvPr id="5" name="그림 4">
             <a:extLst>
               <a:ext uri="{FF2B5EF4-FFF2-40B4-BE49-F238E27FC236}">
-                <a16:creationId xmlns:a16="http://schemas.microsoft.com/office/drawing/2014/main" id="{C820A2BD-7C5D-48BC-A35F-9317F8AB809C}"/>
+                <a16:creationId xmlns:a16="http://schemas.microsoft.com/office/drawing/2014/main" xmlns="" id="{C820A2BD-7C5D-48BC-A35F-9317F8AB809C}"/>
               </a:ext>
             </a:extLst>
           </p:cNvPr>
@@ -13123,35 +13123,35 @@
                 <a:gridCol w="575945">
                   <a:extLst>
                     <a:ext uri="{9D8B030D-6E8A-4147-A177-3AD203B41FA5}">
-                      <a16:colId xmlns:a16="http://schemas.microsoft.com/office/drawing/2014/main" val="20000"/>
+                      <a16:colId xmlns:a16="http://schemas.microsoft.com/office/drawing/2014/main" xmlns="" val="20000"/>
                     </a:ext>
                   </a:extLst>
                 </a:gridCol>
                 <a:gridCol w="575945">
                   <a:extLst>
                     <a:ext uri="{9D8B030D-6E8A-4147-A177-3AD203B41FA5}">
-                      <a16:colId xmlns:a16="http://schemas.microsoft.com/office/drawing/2014/main" val="20001"/>
+                      <a16:colId xmlns:a16="http://schemas.microsoft.com/office/drawing/2014/main" xmlns="" val="20001"/>
                     </a:ext>
                   </a:extLst>
                 </a:gridCol>
                 <a:gridCol w="575945">
                   <a:extLst>
                     <a:ext uri="{9D8B030D-6E8A-4147-A177-3AD203B41FA5}">
-                      <a16:colId xmlns:a16="http://schemas.microsoft.com/office/drawing/2014/main" val="20002"/>
+                      <a16:colId xmlns:a16="http://schemas.microsoft.com/office/drawing/2014/main" xmlns="" val="20002"/>
                     </a:ext>
                   </a:extLst>
                 </a:gridCol>
                 <a:gridCol w="575945">
                   <a:extLst>
                     <a:ext uri="{9D8B030D-6E8A-4147-A177-3AD203B41FA5}">
-                      <a16:colId xmlns:a16="http://schemas.microsoft.com/office/drawing/2014/main" val="20003"/>
+                      <a16:colId xmlns:a16="http://schemas.microsoft.com/office/drawing/2014/main" xmlns="" val="20003"/>
                     </a:ext>
                   </a:extLst>
                 </a:gridCol>
                 <a:gridCol w="575945">
                   <a:extLst>
                     <a:ext uri="{9D8B030D-6E8A-4147-A177-3AD203B41FA5}">
-                      <a16:colId xmlns:a16="http://schemas.microsoft.com/office/drawing/2014/main" val="20004"/>
+                      <a16:colId xmlns:a16="http://schemas.microsoft.com/office/drawing/2014/main" xmlns="" val="20004"/>
                     </a:ext>
                   </a:extLst>
                 </a:gridCol>
@@ -13829,7 +13829,7 @@
                 </a:tc>
                 <a:extLst>
                   <a:ext uri="{0D108BD9-81ED-4DB2-BD59-A6C34878D82A}">
-                    <a16:rowId xmlns:a16="http://schemas.microsoft.com/office/drawing/2014/main" val="10000"/>
+                    <a16:rowId xmlns:a16="http://schemas.microsoft.com/office/drawing/2014/main" xmlns="" val="10000"/>
                   </a:ext>
                 </a:extLst>
               </a:tr>
@@ -14501,7 +14501,7 @@
                 </a:tc>
                 <a:extLst>
                   <a:ext uri="{0D108BD9-81ED-4DB2-BD59-A6C34878D82A}">
-                    <a16:rowId xmlns:a16="http://schemas.microsoft.com/office/drawing/2014/main" val="10001"/>
+                    <a16:rowId xmlns:a16="http://schemas.microsoft.com/office/drawing/2014/main" xmlns="" val="10001"/>
                   </a:ext>
                 </a:extLst>
               </a:tr>
@@ -15169,7 +15169,7 @@
                 </a:tc>
                 <a:extLst>
                   <a:ext uri="{0D108BD9-81ED-4DB2-BD59-A6C34878D82A}">
-                    <a16:rowId xmlns:a16="http://schemas.microsoft.com/office/drawing/2014/main" val="10002"/>
+                    <a16:rowId xmlns:a16="http://schemas.microsoft.com/office/drawing/2014/main" xmlns="" val="10002"/>
                   </a:ext>
                 </a:extLst>
               </a:tr>
@@ -15837,7 +15837,7 @@
                 </a:tc>
                 <a:extLst>
                   <a:ext uri="{0D108BD9-81ED-4DB2-BD59-A6C34878D82A}">
-                    <a16:rowId xmlns:a16="http://schemas.microsoft.com/office/drawing/2014/main" val="10003"/>
+                    <a16:rowId xmlns:a16="http://schemas.microsoft.com/office/drawing/2014/main" xmlns="" val="10003"/>
                   </a:ext>
                 </a:extLst>
               </a:tr>
@@ -16505,7 +16505,7 @@
                 </a:tc>
                 <a:extLst>
                   <a:ext uri="{0D108BD9-81ED-4DB2-BD59-A6C34878D82A}">
-                    <a16:rowId xmlns:a16="http://schemas.microsoft.com/office/drawing/2014/main" val="10004"/>
+                    <a16:rowId xmlns:a16="http://schemas.microsoft.com/office/drawing/2014/main" xmlns="" val="10004"/>
                   </a:ext>
                 </a:extLst>
               </a:tr>
@@ -17177,7 +17177,7 @@
                 </a:tc>
                 <a:extLst>
                   <a:ext uri="{0D108BD9-81ED-4DB2-BD59-A6C34878D82A}">
-                    <a16:rowId xmlns:a16="http://schemas.microsoft.com/office/drawing/2014/main" val="10005"/>
+                    <a16:rowId xmlns:a16="http://schemas.microsoft.com/office/drawing/2014/main" xmlns="" val="10005"/>
                   </a:ext>
                 </a:extLst>
               </a:tr>
@@ -17845,7 +17845,7 @@
                 </a:tc>
                 <a:extLst>
                   <a:ext uri="{0D108BD9-81ED-4DB2-BD59-A6C34878D82A}">
-                    <a16:rowId xmlns:a16="http://schemas.microsoft.com/office/drawing/2014/main" val="10006"/>
+                    <a16:rowId xmlns:a16="http://schemas.microsoft.com/office/drawing/2014/main" xmlns="" val="10006"/>
                   </a:ext>
                 </a:extLst>
               </a:tr>
@@ -18517,7 +18517,7 @@
                 </a:tc>
                 <a:extLst>
                   <a:ext uri="{0D108BD9-81ED-4DB2-BD59-A6C34878D82A}">
-                    <a16:rowId xmlns:a16="http://schemas.microsoft.com/office/drawing/2014/main" val="10007"/>
+                    <a16:rowId xmlns:a16="http://schemas.microsoft.com/office/drawing/2014/main" xmlns="" val="10007"/>
                   </a:ext>
                 </a:extLst>
               </a:tr>
@@ -18551,35 +18551,35 @@
                 <a:gridCol w="575945">
                   <a:extLst>
                     <a:ext uri="{9D8B030D-6E8A-4147-A177-3AD203B41FA5}">
-                      <a16:colId xmlns:a16="http://schemas.microsoft.com/office/drawing/2014/main" val="20000"/>
+                      <a16:colId xmlns:a16="http://schemas.microsoft.com/office/drawing/2014/main" xmlns="" val="20000"/>
                     </a:ext>
                   </a:extLst>
                 </a:gridCol>
                 <a:gridCol w="575945">
                   <a:extLst>
                     <a:ext uri="{9D8B030D-6E8A-4147-A177-3AD203B41FA5}">
-                      <a16:colId xmlns:a16="http://schemas.microsoft.com/office/drawing/2014/main" val="20001"/>
+                      <a16:colId xmlns:a16="http://schemas.microsoft.com/office/drawing/2014/main" xmlns="" val="20001"/>
                     </a:ext>
                   </a:extLst>
                 </a:gridCol>
                 <a:gridCol w="575945">
                   <a:extLst>
                     <a:ext uri="{9D8B030D-6E8A-4147-A177-3AD203B41FA5}">
-                      <a16:colId xmlns:a16="http://schemas.microsoft.com/office/drawing/2014/main" val="20002"/>
+                      <a16:colId xmlns:a16="http://schemas.microsoft.com/office/drawing/2014/main" xmlns="" val="20002"/>
                     </a:ext>
                   </a:extLst>
                 </a:gridCol>
                 <a:gridCol w="575945">
                   <a:extLst>
                     <a:ext uri="{9D8B030D-6E8A-4147-A177-3AD203B41FA5}">
-                      <a16:colId xmlns:a16="http://schemas.microsoft.com/office/drawing/2014/main" val="20003"/>
+                      <a16:colId xmlns:a16="http://schemas.microsoft.com/office/drawing/2014/main" xmlns="" val="20003"/>
                     </a:ext>
                   </a:extLst>
                 </a:gridCol>
                 <a:gridCol w="575945">
                   <a:extLst>
                     <a:ext uri="{9D8B030D-6E8A-4147-A177-3AD203B41FA5}">
-                      <a16:colId xmlns:a16="http://schemas.microsoft.com/office/drawing/2014/main" val="20004"/>
+                      <a16:colId xmlns:a16="http://schemas.microsoft.com/office/drawing/2014/main" xmlns="" val="20004"/>
                     </a:ext>
                   </a:extLst>
                 </a:gridCol>
@@ -19257,7 +19257,7 @@
                 </a:tc>
                 <a:extLst>
                   <a:ext uri="{0D108BD9-81ED-4DB2-BD59-A6C34878D82A}">
-                    <a16:rowId xmlns:a16="http://schemas.microsoft.com/office/drawing/2014/main" val="10000"/>
+                    <a16:rowId xmlns:a16="http://schemas.microsoft.com/office/drawing/2014/main" xmlns="" val="10000"/>
                   </a:ext>
                 </a:extLst>
               </a:tr>
@@ -19925,7 +19925,7 @@
                 </a:tc>
                 <a:extLst>
                   <a:ext uri="{0D108BD9-81ED-4DB2-BD59-A6C34878D82A}">
-                    <a16:rowId xmlns:a16="http://schemas.microsoft.com/office/drawing/2014/main" val="10001"/>
+                    <a16:rowId xmlns:a16="http://schemas.microsoft.com/office/drawing/2014/main" xmlns="" val="10001"/>
                   </a:ext>
                 </a:extLst>
               </a:tr>
@@ -20593,7 +20593,7 @@
                 </a:tc>
                 <a:extLst>
                   <a:ext uri="{0D108BD9-81ED-4DB2-BD59-A6C34878D82A}">
-                    <a16:rowId xmlns:a16="http://schemas.microsoft.com/office/drawing/2014/main" val="10002"/>
+                    <a16:rowId xmlns:a16="http://schemas.microsoft.com/office/drawing/2014/main" xmlns="" val="10002"/>
                   </a:ext>
                 </a:extLst>
               </a:tr>
@@ -21261,7 +21261,7 @@
                 </a:tc>
                 <a:extLst>
                   <a:ext uri="{0D108BD9-81ED-4DB2-BD59-A6C34878D82A}">
-                    <a16:rowId xmlns:a16="http://schemas.microsoft.com/office/drawing/2014/main" val="10003"/>
+                    <a16:rowId xmlns:a16="http://schemas.microsoft.com/office/drawing/2014/main" xmlns="" val="10003"/>
                   </a:ext>
                 </a:extLst>
               </a:tr>
@@ -27306,7 +27306,7 @@
           <p:cNvPr id="3" name="말풍선: 사각형 2">
             <a:extLst>
               <a:ext uri="{FF2B5EF4-FFF2-40B4-BE49-F238E27FC236}">
-                <a16:creationId xmlns:a16="http://schemas.microsoft.com/office/drawing/2014/main" id="{29F5BEA5-0877-4A61-AF34-242102DF4D22}"/>
+                <a16:creationId xmlns:a16="http://schemas.microsoft.com/office/drawing/2014/main" xmlns="" id="{29F5BEA5-0877-4A61-AF34-242102DF4D22}"/>
               </a:ext>
             </a:extLst>
           </p:cNvPr>
@@ -31982,7 +31982,7 @@
           <p:cNvPr id="3" name="그림 2">
             <a:extLst>
               <a:ext uri="{FF2B5EF4-FFF2-40B4-BE49-F238E27FC236}">
-                <a16:creationId xmlns:a16="http://schemas.microsoft.com/office/drawing/2014/main" id="{520CB42D-8F4B-4183-B3C6-0B0AC588F879}"/>
+                <a16:creationId xmlns:a16="http://schemas.microsoft.com/office/drawing/2014/main" xmlns="" id="{520CB42D-8F4B-4183-B3C6-0B0AC588F879}"/>
               </a:ext>
             </a:extLst>
           </p:cNvPr>
@@ -31998,9 +31998,9 @@
           </a:stretch>
         </p:blipFill>
         <p:spPr>
-          <a:xfrm rot="10800000">
-            <a:off x="71220" y="5843012"/>
-            <a:ext cx="1266201" cy="584200"/>
+          <a:xfrm>
+            <a:off x="1900237" y="4998311"/>
+            <a:ext cx="1971675" cy="909692"/>
           </a:xfrm>
           <a:prstGeom prst="rect">
             <a:avLst/>
@@ -32012,7 +32012,7 @@
           <p:cNvPr id="5" name="그림 4">
             <a:extLst>
               <a:ext uri="{FF2B5EF4-FFF2-40B4-BE49-F238E27FC236}">
-                <a16:creationId xmlns:a16="http://schemas.microsoft.com/office/drawing/2014/main" id="{6B4527AF-B206-4291-A1D2-8177EB561499}"/>
+                <a16:creationId xmlns:a16="http://schemas.microsoft.com/office/drawing/2014/main" xmlns="" id="{6B4527AF-B206-4291-A1D2-8177EB561499}"/>
               </a:ext>
             </a:extLst>
           </p:cNvPr>
@@ -32028,9 +32028,9 @@
           </a:stretch>
         </p:blipFill>
         <p:spPr>
-          <a:xfrm rot="10964321">
-            <a:off x="8764382" y="22216"/>
-            <a:ext cx="946371" cy="687211"/>
+          <a:xfrm>
+            <a:off x="5276850" y="4391854"/>
+            <a:ext cx="3028950" cy="2122605"/>
           </a:xfrm>
           <a:prstGeom prst="rect">
             <a:avLst/>
